--- a/2025-Q4/Devotionals/2025-11-12-SeekingWisdom.pptx
+++ b/2025-Q4/Devotionals/2025-11-12-SeekingWisdom.pptx
@@ -288,7 +288,7 @@
               <a:pPr>
                 <a:defRPr/>
               </a:pPr>
-              <a:t>11/11/2025</a:t>
+              <a:t>11/12/2025</a:t>
             </a:fld>
             <a:endParaRPr lang="en-US"/>
           </a:p>
@@ -1367,6 +1367,58 @@
           </a:bodyPr>
           <a:lstStyle/>
           <a:p>
+            <a:pPr marL="0" marR="0" lvl="0" indent="0" algn="l" defTabSz="914400" rtl="0" eaLnBrk="0" fontAlgn="base" latinLnBrk="0" hangingPunct="0">
+              <a:lnSpc>
+                <a:spcPct val="100000"/>
+              </a:lnSpc>
+              <a:spcBef>
+                <a:spcPct val="30000"/>
+              </a:spcBef>
+              <a:spcAft>
+                <a:spcPct val="0"/>
+              </a:spcAft>
+              <a:buClrTx/>
+              <a:buSzTx/>
+              <a:buFontTx/>
+              <a:buNone/>
+              <a:tabLst/>
+              <a:defRPr/>
+            </a:pPr>
+            <a:r>
+              <a:rPr lang="en-US" sz="1200" b="0" i="0" u="none" strike="noStrike" kern="1200" baseline="0" dirty="0">
+                <a:solidFill>
+                  <a:schemeClr val="tx1"/>
+                </a:solidFill>
+                <a:latin typeface="+mn-lt"/>
+                <a:ea typeface="ＭＳ Ｐゴシック" pitchFamily="-106" charset="-128"/>
+                <a:cs typeface="ＭＳ Ｐゴシック" pitchFamily="-106" charset="-128"/>
+              </a:rPr>
+              <a:t>2Pe 2:20-22  For if, after they have escaped the pollutions of the world through the knowledge of the Lord and Savior Jesus Christ, they are again entangled in them and overcome, the latter end is worse for them than the beginning.  (21)  For it would have been better for them not to have known the way of righteousness, than having known </a:t>
+            </a:r>
+            <a:r>
+              <a:rPr lang="en-US" sz="1200" b="0" i="1" u="none" strike="noStrike" kern="1200" baseline="0" dirty="0">
+                <a:solidFill>
+                  <a:schemeClr val="tx1"/>
+                </a:solidFill>
+                <a:latin typeface="+mn-lt"/>
+                <a:ea typeface="ＭＳ Ｐゴシック" pitchFamily="-106" charset="-128"/>
+                <a:cs typeface="ＭＳ Ｐゴシック" pitchFamily="-106" charset="-128"/>
+              </a:rPr>
+              <a:t>it,</a:t>
+            </a:r>
+            <a:r>
+              <a:rPr lang="en-US" sz="1200" b="0" i="0" u="none" strike="noStrike" kern="1200" baseline="0" dirty="0">
+                <a:solidFill>
+                  <a:schemeClr val="tx1"/>
+                </a:solidFill>
+                <a:latin typeface="+mn-lt"/>
+                <a:ea typeface="ＭＳ Ｐゴシック" pitchFamily="-106" charset="-128"/>
+                <a:cs typeface="ＭＳ Ｐゴシック" pitchFamily="-106" charset="-128"/>
+              </a:rPr>
+              <a:t> to turn from the holy commandment delivered to them.  (22)  But it has happened to them according to the true proverb: "A DOG RETURNS TO HIS OWN VOMIT," and, "a sow, having washed, to her wallowing in the mire."</a:t>
+            </a:r>
+          </a:p>
+          <a:p>
             <a:endParaRPr lang="en-US" dirty="0"/>
           </a:p>
         </p:txBody>
@@ -1711,9 +1763,350 @@
         <p:spPr/>
         <p:txBody>
           <a:bodyPr>
-            <a:normAutofit/>
+            <a:normAutofit fontScale="92500" lnSpcReduction="20000"/>
           </a:bodyPr>
           <a:lstStyle/>
+          <a:p>
+            <a:pPr marL="0" marR="0" lvl="0" indent="0" algn="l" defTabSz="914400" rtl="0" eaLnBrk="0" fontAlgn="base" latinLnBrk="0" hangingPunct="0">
+              <a:lnSpc>
+                <a:spcPct val="100000"/>
+              </a:lnSpc>
+              <a:spcBef>
+                <a:spcPct val="30000"/>
+              </a:spcBef>
+              <a:spcAft>
+                <a:spcPct val="0"/>
+              </a:spcAft>
+              <a:buClrTx/>
+              <a:buSzTx/>
+              <a:buFontTx/>
+              <a:buNone/>
+              <a:tabLst/>
+              <a:defRPr/>
+            </a:pPr>
+            <a:r>
+              <a:rPr lang="en-US" sz="1200" b="0" i="0" u="none" strike="noStrike" kern="1200" baseline="0" dirty="0">
+                <a:solidFill>
+                  <a:schemeClr val="tx1"/>
+                </a:solidFill>
+                <a:latin typeface="+mn-lt"/>
+                <a:ea typeface="ＭＳ Ｐゴシック" pitchFamily="-106" charset="-128"/>
+                <a:cs typeface="ＭＳ Ｐゴシック" pitchFamily="-106" charset="-128"/>
+              </a:rPr>
+              <a:t>Mat 19:3-12  The Pharisees also came to Him, testing Him, and saying to Him, "Is it lawful for a man to divorce his wife for </a:t>
+            </a:r>
+            <a:r>
+              <a:rPr lang="en-US" sz="1200" b="0" i="1" u="none" strike="noStrike" kern="1200" baseline="0" dirty="0">
+                <a:solidFill>
+                  <a:schemeClr val="tx1"/>
+                </a:solidFill>
+                <a:latin typeface="+mn-lt"/>
+                <a:ea typeface="ＭＳ Ｐゴシック" pitchFamily="-106" charset="-128"/>
+                <a:cs typeface="ＭＳ Ｐゴシック" pitchFamily="-106" charset="-128"/>
+              </a:rPr>
+              <a:t>just</a:t>
+            </a:r>
+            <a:r>
+              <a:rPr lang="en-US" sz="1200" b="0" i="0" u="none" strike="noStrike" kern="1200" baseline="0" dirty="0">
+                <a:solidFill>
+                  <a:schemeClr val="tx1"/>
+                </a:solidFill>
+                <a:latin typeface="+mn-lt"/>
+                <a:ea typeface="ＭＳ Ｐゴシック" pitchFamily="-106" charset="-128"/>
+                <a:cs typeface="ＭＳ Ｐゴシック" pitchFamily="-106" charset="-128"/>
+              </a:rPr>
+              <a:t> any reason?"  (4)  And He answered and said to them, "Have you not read that He who made </a:t>
+            </a:r>
+            <a:r>
+              <a:rPr lang="en-US" sz="1200" b="0" i="1" u="none" strike="noStrike" kern="1200" baseline="0" dirty="0">
+                <a:solidFill>
+                  <a:schemeClr val="tx1"/>
+                </a:solidFill>
+                <a:latin typeface="+mn-lt"/>
+                <a:ea typeface="ＭＳ Ｐゴシック" pitchFamily="-106" charset="-128"/>
+                <a:cs typeface="ＭＳ Ｐゴシック" pitchFamily="-106" charset="-128"/>
+              </a:rPr>
+              <a:t>them</a:t>
+            </a:r>
+            <a:r>
+              <a:rPr lang="en-US" sz="1200" b="0" i="0" u="none" strike="noStrike" kern="1200" baseline="0" dirty="0">
+                <a:solidFill>
+                  <a:schemeClr val="tx1"/>
+                </a:solidFill>
+                <a:latin typeface="+mn-lt"/>
+                <a:ea typeface="ＭＳ Ｐゴシック" pitchFamily="-106" charset="-128"/>
+                <a:cs typeface="ＭＳ Ｐゴシック" pitchFamily="-106" charset="-128"/>
+              </a:rPr>
+              <a:t> at the beginning 'MADE THEM MALE AND FEMALE,'  (5)  and said, 'FOR THIS REASON A MAN SHALL LEAVE HIS FATHER AND MOTHER AND BE JOINED TO HIS WIFE, AND THE TWO SHALL BECOME ONE FLESH' ?  (6)  So then, they are no longer two but one flesh. Therefore what God has joined together, let not man separate."  (7)  They said to Him, "Why then did Moses command to give a certificate of divorce, and to put her away?"  (8)  He said to them, "Moses, because of the hardness of your hearts, permitted you to divorce your wives, but from the beginning it was not so.  (9)  And I say to you, whoever divorces his wife, except for sexual immorality, and marries another, commits adultery; and whoever marries her who is divorced commits adultery."  (10)  His disciples said to Him, "If such is the case of the man with </a:t>
+            </a:r>
+            <a:r>
+              <a:rPr lang="en-US" sz="1200" b="0" i="1" u="none" strike="noStrike" kern="1200" baseline="0" dirty="0">
+                <a:solidFill>
+                  <a:schemeClr val="tx1"/>
+                </a:solidFill>
+                <a:latin typeface="+mn-lt"/>
+                <a:ea typeface="ＭＳ Ｐゴシック" pitchFamily="-106" charset="-128"/>
+                <a:cs typeface="ＭＳ Ｐゴシック" pitchFamily="-106" charset="-128"/>
+              </a:rPr>
+              <a:t>his</a:t>
+            </a:r>
+            <a:r>
+              <a:rPr lang="en-US" sz="1200" b="0" i="0" u="none" strike="noStrike" kern="1200" baseline="0" dirty="0">
+                <a:solidFill>
+                  <a:schemeClr val="tx1"/>
+                </a:solidFill>
+                <a:latin typeface="+mn-lt"/>
+                <a:ea typeface="ＭＳ Ｐゴシック" pitchFamily="-106" charset="-128"/>
+                <a:cs typeface="ＭＳ Ｐゴシック" pitchFamily="-106" charset="-128"/>
+              </a:rPr>
+              <a:t> wife, it is better not to marry."  (11)  But He said to them, "All cannot accept this saying, but only </a:t>
+            </a:r>
+            <a:r>
+              <a:rPr lang="en-US" sz="1200" b="0" i="1" u="none" strike="noStrike" kern="1200" baseline="0" dirty="0">
+                <a:solidFill>
+                  <a:schemeClr val="tx1"/>
+                </a:solidFill>
+                <a:latin typeface="+mn-lt"/>
+                <a:ea typeface="ＭＳ Ｐゴシック" pitchFamily="-106" charset="-128"/>
+                <a:cs typeface="ＭＳ Ｐゴシック" pitchFamily="-106" charset="-128"/>
+              </a:rPr>
+              <a:t>those</a:t>
+            </a:r>
+            <a:r>
+              <a:rPr lang="en-US" sz="1200" b="0" i="0" u="none" strike="noStrike" kern="1200" baseline="0" dirty="0">
+                <a:solidFill>
+                  <a:schemeClr val="tx1"/>
+                </a:solidFill>
+                <a:latin typeface="+mn-lt"/>
+                <a:ea typeface="ＭＳ Ｐゴシック" pitchFamily="-106" charset="-128"/>
+                <a:cs typeface="ＭＳ Ｐゴシック" pitchFamily="-106" charset="-128"/>
+              </a:rPr>
+              <a:t> to whom it has been given:  (12)  For there are eunuchs who were born thus from </a:t>
+            </a:r>
+            <a:r>
+              <a:rPr lang="en-US" sz="1200" b="0" i="1" u="none" strike="noStrike" kern="1200" baseline="0" dirty="0">
+                <a:solidFill>
+                  <a:schemeClr val="tx1"/>
+                </a:solidFill>
+                <a:latin typeface="+mn-lt"/>
+                <a:ea typeface="ＭＳ Ｐゴシック" pitchFamily="-106" charset="-128"/>
+                <a:cs typeface="ＭＳ Ｐゴシック" pitchFamily="-106" charset="-128"/>
+              </a:rPr>
+              <a:t>their</a:t>
+            </a:r>
+            <a:r>
+              <a:rPr lang="en-US" sz="1200" b="0" i="0" u="none" strike="noStrike" kern="1200" baseline="0" dirty="0">
+                <a:solidFill>
+                  <a:schemeClr val="tx1"/>
+                </a:solidFill>
+                <a:latin typeface="+mn-lt"/>
+                <a:ea typeface="ＭＳ Ｐゴシック" pitchFamily="-106" charset="-128"/>
+                <a:cs typeface="ＭＳ Ｐゴシック" pitchFamily="-106" charset="-128"/>
+              </a:rPr>
+              <a:t> mother's womb, and there are eunuchs who were made eunuchs by men, and there are eunuchs who have made themselves eunuchs for the kingdom of heaven's sake. He who is able to accept </a:t>
+            </a:r>
+            <a:r>
+              <a:rPr lang="en-US" sz="1200" b="0" i="1" u="none" strike="noStrike" kern="1200" baseline="0" dirty="0">
+                <a:solidFill>
+                  <a:schemeClr val="tx1"/>
+                </a:solidFill>
+                <a:latin typeface="+mn-lt"/>
+                <a:ea typeface="ＭＳ Ｐゴシック" pitchFamily="-106" charset="-128"/>
+                <a:cs typeface="ＭＳ Ｐゴシック" pitchFamily="-106" charset="-128"/>
+              </a:rPr>
+              <a:t>it,</a:t>
+            </a:r>
+            <a:r>
+              <a:rPr lang="en-US" sz="1200" b="0" i="0" u="none" strike="noStrike" kern="1200" baseline="0" dirty="0">
+                <a:solidFill>
+                  <a:schemeClr val="tx1"/>
+                </a:solidFill>
+                <a:latin typeface="+mn-lt"/>
+                <a:ea typeface="ＭＳ Ｐゴシック" pitchFamily="-106" charset="-128"/>
+                <a:cs typeface="ＭＳ Ｐゴシック" pitchFamily="-106" charset="-128"/>
+              </a:rPr>
+              <a:t> let him accept </a:t>
+            </a:r>
+            <a:r>
+              <a:rPr lang="en-US" sz="1200" b="0" i="1" u="none" strike="noStrike" kern="1200" baseline="0" dirty="0">
+                <a:solidFill>
+                  <a:schemeClr val="tx1"/>
+                </a:solidFill>
+                <a:latin typeface="+mn-lt"/>
+                <a:ea typeface="ＭＳ Ｐゴシック" pitchFamily="-106" charset="-128"/>
+                <a:cs typeface="ＭＳ Ｐゴシック" pitchFamily="-106" charset="-128"/>
+              </a:rPr>
+              <a:t>it."</a:t>
+            </a:r>
+            <a:endParaRPr lang="en-US" sz="1200" b="0" i="0" u="none" strike="noStrike" kern="1200" baseline="0" dirty="0">
+              <a:solidFill>
+                <a:schemeClr val="tx1"/>
+              </a:solidFill>
+              <a:latin typeface="+mn-lt"/>
+              <a:ea typeface="ＭＳ Ｐゴシック" pitchFamily="-106" charset="-128"/>
+              <a:cs typeface="ＭＳ Ｐゴシック" pitchFamily="-106" charset="-128"/>
+            </a:endParaRPr>
+          </a:p>
+          <a:p>
+            <a:endParaRPr lang="en-US" dirty="0"/>
+          </a:p>
+          <a:p>
+            <a:endParaRPr lang="en-US" dirty="0"/>
+          </a:p>
+          <a:p>
+            <a:pPr marL="0" marR="0" lvl="0" indent="0" algn="l" defTabSz="914400" rtl="0" eaLnBrk="0" fontAlgn="base" latinLnBrk="0" hangingPunct="0">
+              <a:lnSpc>
+                <a:spcPct val="100000"/>
+              </a:lnSpc>
+              <a:spcBef>
+                <a:spcPct val="30000"/>
+              </a:spcBef>
+              <a:spcAft>
+                <a:spcPct val="0"/>
+              </a:spcAft>
+              <a:buClrTx/>
+              <a:buSzTx/>
+              <a:buFontTx/>
+              <a:buNone/>
+              <a:tabLst/>
+              <a:defRPr/>
+            </a:pPr>
+            <a:r>
+              <a:rPr lang="en-US" sz="1200" b="0" i="0" u="none" strike="noStrike" kern="1200" baseline="0" dirty="0">
+                <a:solidFill>
+                  <a:schemeClr val="tx1"/>
+                </a:solidFill>
+                <a:latin typeface="+mn-lt"/>
+                <a:ea typeface="ＭＳ Ｐゴシック" pitchFamily="-106" charset="-128"/>
+                <a:cs typeface="ＭＳ Ｐゴシック" pitchFamily="-106" charset="-128"/>
+              </a:rPr>
+              <a:t>Mar 10:2-12  The Pharisees came and asked Him, "Is it lawful for a man to divorce </a:t>
+            </a:r>
+            <a:r>
+              <a:rPr lang="en-US" sz="1200" b="0" i="1" u="none" strike="noStrike" kern="1200" baseline="0" dirty="0">
+                <a:solidFill>
+                  <a:schemeClr val="tx1"/>
+                </a:solidFill>
+                <a:latin typeface="+mn-lt"/>
+                <a:ea typeface="ＭＳ Ｐゴシック" pitchFamily="-106" charset="-128"/>
+                <a:cs typeface="ＭＳ Ｐゴシック" pitchFamily="-106" charset="-128"/>
+              </a:rPr>
+              <a:t>his</a:t>
+            </a:r>
+            <a:r>
+              <a:rPr lang="en-US" sz="1200" b="0" i="0" u="none" strike="noStrike" kern="1200" baseline="0" dirty="0">
+                <a:solidFill>
+                  <a:schemeClr val="tx1"/>
+                </a:solidFill>
+                <a:latin typeface="+mn-lt"/>
+                <a:ea typeface="ＭＳ Ｐゴシック" pitchFamily="-106" charset="-128"/>
+                <a:cs typeface="ＭＳ Ｐゴシック" pitchFamily="-106" charset="-128"/>
+              </a:rPr>
+              <a:t> wife?" testing Him.  (3)  And He answered and said to them, "What did Moses command you?"  (4)  They said, "Moses permitted </a:t>
+            </a:r>
+            <a:r>
+              <a:rPr lang="en-US" sz="1200" b="0" i="1" u="none" strike="noStrike" kern="1200" baseline="0" dirty="0">
+                <a:solidFill>
+                  <a:schemeClr val="tx1"/>
+                </a:solidFill>
+                <a:latin typeface="+mn-lt"/>
+                <a:ea typeface="ＭＳ Ｐゴシック" pitchFamily="-106" charset="-128"/>
+                <a:cs typeface="ＭＳ Ｐゴシック" pitchFamily="-106" charset="-128"/>
+              </a:rPr>
+              <a:t>a man</a:t>
+            </a:r>
+            <a:r>
+              <a:rPr lang="en-US" sz="1200" b="0" i="0" u="none" strike="noStrike" kern="1200" baseline="0" dirty="0">
+                <a:solidFill>
+                  <a:schemeClr val="tx1"/>
+                </a:solidFill>
+                <a:latin typeface="+mn-lt"/>
+                <a:ea typeface="ＭＳ Ｐゴシック" pitchFamily="-106" charset="-128"/>
+                <a:cs typeface="ＭＳ Ｐゴシック" pitchFamily="-106" charset="-128"/>
+              </a:rPr>
+              <a:t> to write a certificate of divorce, and to dismiss </a:t>
+            </a:r>
+            <a:r>
+              <a:rPr lang="en-US" sz="1200" b="0" i="1" u="none" strike="noStrike" kern="1200" baseline="0" dirty="0">
+                <a:solidFill>
+                  <a:schemeClr val="tx1"/>
+                </a:solidFill>
+                <a:latin typeface="+mn-lt"/>
+                <a:ea typeface="ＭＳ Ｐゴシック" pitchFamily="-106" charset="-128"/>
+                <a:cs typeface="ＭＳ Ｐゴシック" pitchFamily="-106" charset="-128"/>
+              </a:rPr>
+              <a:t>her.</a:t>
+            </a:r>
+            <a:r>
+              <a:rPr lang="en-US" sz="1200" b="0" i="0" u="none" strike="noStrike" kern="1200" baseline="0" dirty="0">
+                <a:solidFill>
+                  <a:schemeClr val="tx1"/>
+                </a:solidFill>
+                <a:latin typeface="+mn-lt"/>
+                <a:ea typeface="ＭＳ Ｐゴシック" pitchFamily="-106" charset="-128"/>
+                <a:cs typeface="ＭＳ Ｐゴシック" pitchFamily="-106" charset="-128"/>
+              </a:rPr>
+              <a:t>"  (5)  And Jesus answered and said to them, "Because of the hardness of your heart he wrote you this precept.  (6)  But from the beginning of the creation, God 'MADE THEM MALE AND FEMALE.'  (7)  'FOR THIS REASON A MAN SHALL LEAVE HIS FATHER AND MOTHER AND BE JOINED TO HIS WIFE,  (8)  AND THE TWO SHALL BECOME ONE FLESH'; so then they are no longer two, but one flesh.  (9)  Therefore what God has joined together, let not man separate."  (10)  In the house His disciples also asked Him again about the same </a:t>
+            </a:r>
+            <a:r>
+              <a:rPr lang="en-US" sz="1200" b="0" i="1" u="none" strike="noStrike" kern="1200" baseline="0" dirty="0">
+                <a:solidFill>
+                  <a:schemeClr val="tx1"/>
+                </a:solidFill>
+                <a:latin typeface="+mn-lt"/>
+                <a:ea typeface="ＭＳ Ｐゴシック" pitchFamily="-106" charset="-128"/>
+                <a:cs typeface="ＭＳ Ｐゴシック" pitchFamily="-106" charset="-128"/>
+              </a:rPr>
+              <a:t>matter.</a:t>
+            </a:r>
+            <a:r>
+              <a:rPr lang="en-US" sz="1200" b="0" i="0" u="none" strike="noStrike" kern="1200" baseline="0" dirty="0">
+                <a:solidFill>
+                  <a:schemeClr val="tx1"/>
+                </a:solidFill>
+                <a:latin typeface="+mn-lt"/>
+                <a:ea typeface="ＭＳ Ｐゴシック" pitchFamily="-106" charset="-128"/>
+                <a:cs typeface="ＭＳ Ｐゴシック" pitchFamily="-106" charset="-128"/>
+              </a:rPr>
+              <a:t>  (11)  So He said to them, "Whoever divorces his wife and marries another commits adultery against her.  (12)  And if a woman divorces her husband and marries another, she commits adultery."</a:t>
+            </a:r>
+          </a:p>
+          <a:p>
+            <a:endParaRPr lang="en-US" dirty="0"/>
+          </a:p>
+          <a:p>
+            <a:pPr marL="0" marR="0" lvl="0" indent="0" algn="l" defTabSz="914400" rtl="0" eaLnBrk="0" fontAlgn="base" latinLnBrk="0" hangingPunct="0">
+              <a:lnSpc>
+                <a:spcPct val="100000"/>
+              </a:lnSpc>
+              <a:spcBef>
+                <a:spcPct val="30000"/>
+              </a:spcBef>
+              <a:spcAft>
+                <a:spcPct val="0"/>
+              </a:spcAft>
+              <a:buClrTx/>
+              <a:buSzTx/>
+              <a:buFontTx/>
+              <a:buNone/>
+              <a:tabLst/>
+              <a:defRPr/>
+            </a:pPr>
+            <a:r>
+              <a:rPr lang="en-US" sz="1200" b="0" i="0" u="none" strike="noStrike" kern="1200" baseline="0" dirty="0">
+                <a:solidFill>
+                  <a:schemeClr val="tx1"/>
+                </a:solidFill>
+                <a:latin typeface="+mn-lt"/>
+                <a:ea typeface="ＭＳ Ｐゴシック" pitchFamily="-106" charset="-128"/>
+                <a:cs typeface="ＭＳ Ｐゴシック" pitchFamily="-106" charset="-128"/>
+              </a:rPr>
+              <a:t>Joh 6:26  Jesus answered them and said, "Most assuredly, I say to you, you seek Me, not because you saw the signs, but because you ate of the loaves and were filled.</a:t>
+            </a:r>
+          </a:p>
+          <a:p>
+            <a:endParaRPr lang="en-US" dirty="0"/>
+          </a:p>
           <a:p>
             <a:endParaRPr lang="en-US" dirty="0"/>
           </a:p>
@@ -1946,6 +2339,130 @@
             <a:normAutofit/>
           </a:bodyPr>
           <a:lstStyle/>
+          <a:p>
+            <a:pPr marL="0" marR="0" lvl="0" indent="0" algn="l" defTabSz="914400" rtl="0" eaLnBrk="0" fontAlgn="base" latinLnBrk="0" hangingPunct="0">
+              <a:lnSpc>
+                <a:spcPct val="100000"/>
+              </a:lnSpc>
+              <a:spcBef>
+                <a:spcPct val="30000"/>
+              </a:spcBef>
+              <a:spcAft>
+                <a:spcPct val="0"/>
+              </a:spcAft>
+              <a:buClrTx/>
+              <a:buSzTx/>
+              <a:buFontTx/>
+              <a:buNone/>
+              <a:tabLst/>
+              <a:defRPr/>
+            </a:pPr>
+            <a:r>
+              <a:rPr lang="en-US" sz="1200" b="0" i="0" u="none" strike="noStrike" kern="1200" baseline="0" dirty="0">
+                <a:solidFill>
+                  <a:schemeClr val="tx1"/>
+                </a:solidFill>
+                <a:latin typeface="+mn-lt"/>
+                <a:ea typeface="ＭＳ Ｐゴシック" pitchFamily="-106" charset="-128"/>
+                <a:cs typeface="ＭＳ Ｐゴシック" pitchFamily="-106" charset="-128"/>
+              </a:rPr>
+              <a:t>2Th 3:13-15  But </a:t>
+            </a:r>
+            <a:r>
+              <a:rPr lang="en-US" sz="1200" b="0" i="1" u="none" strike="noStrike" kern="1200" baseline="0" dirty="0">
+                <a:solidFill>
+                  <a:schemeClr val="tx1"/>
+                </a:solidFill>
+                <a:latin typeface="+mn-lt"/>
+                <a:ea typeface="ＭＳ Ｐゴシック" pitchFamily="-106" charset="-128"/>
+                <a:cs typeface="ＭＳ Ｐゴシック" pitchFamily="-106" charset="-128"/>
+              </a:rPr>
+              <a:t>as for</a:t>
+            </a:r>
+            <a:r>
+              <a:rPr lang="en-US" sz="1200" b="0" i="0" u="none" strike="noStrike" kern="1200" baseline="0" dirty="0">
+                <a:solidFill>
+                  <a:schemeClr val="tx1"/>
+                </a:solidFill>
+                <a:latin typeface="+mn-lt"/>
+                <a:ea typeface="ＭＳ Ｐゴシック" pitchFamily="-106" charset="-128"/>
+                <a:cs typeface="ＭＳ Ｐゴシック" pitchFamily="-106" charset="-128"/>
+              </a:rPr>
+              <a:t> you, brethren, do not grow weary </a:t>
+            </a:r>
+            <a:r>
+              <a:rPr lang="en-US" sz="1200" b="0" i="1" u="none" strike="noStrike" kern="1200" baseline="0" dirty="0">
+                <a:solidFill>
+                  <a:schemeClr val="tx1"/>
+                </a:solidFill>
+                <a:latin typeface="+mn-lt"/>
+                <a:ea typeface="ＭＳ Ｐゴシック" pitchFamily="-106" charset="-128"/>
+                <a:cs typeface="ＭＳ Ｐゴシック" pitchFamily="-106" charset="-128"/>
+              </a:rPr>
+              <a:t>in</a:t>
+            </a:r>
+            <a:r>
+              <a:rPr lang="en-US" sz="1200" b="0" i="0" u="none" strike="noStrike" kern="1200" baseline="0" dirty="0">
+                <a:solidFill>
+                  <a:schemeClr val="tx1"/>
+                </a:solidFill>
+                <a:latin typeface="+mn-lt"/>
+                <a:ea typeface="ＭＳ Ｐゴシック" pitchFamily="-106" charset="-128"/>
+                <a:cs typeface="ＭＳ Ｐゴシック" pitchFamily="-106" charset="-128"/>
+              </a:rPr>
+              <a:t> doing good.  (14)  And if anyone does not obey our word in this epistle, note that person and do not keep company with him, that he may be ashamed.  (15)  Yet do not count </a:t>
+            </a:r>
+            <a:r>
+              <a:rPr lang="en-US" sz="1200" b="0" i="1" u="none" strike="noStrike" kern="1200" baseline="0" dirty="0">
+                <a:solidFill>
+                  <a:schemeClr val="tx1"/>
+                </a:solidFill>
+                <a:latin typeface="+mn-lt"/>
+                <a:ea typeface="ＭＳ Ｐゴシック" pitchFamily="-106" charset="-128"/>
+                <a:cs typeface="ＭＳ Ｐゴシック" pitchFamily="-106" charset="-128"/>
+              </a:rPr>
+              <a:t>him</a:t>
+            </a:r>
+            <a:r>
+              <a:rPr lang="en-US" sz="1200" b="0" i="0" u="none" strike="noStrike" kern="1200" baseline="0" dirty="0">
+                <a:solidFill>
+                  <a:schemeClr val="tx1"/>
+                </a:solidFill>
+                <a:latin typeface="+mn-lt"/>
+                <a:ea typeface="ＭＳ Ｐゴシック" pitchFamily="-106" charset="-128"/>
+                <a:cs typeface="ＭＳ Ｐゴシック" pitchFamily="-106" charset="-128"/>
+              </a:rPr>
+              <a:t> as an enemy, but admonish </a:t>
+            </a:r>
+            <a:r>
+              <a:rPr lang="en-US" sz="1200" b="0" i="1" u="none" strike="noStrike" kern="1200" baseline="0" dirty="0">
+                <a:solidFill>
+                  <a:schemeClr val="tx1"/>
+                </a:solidFill>
+                <a:latin typeface="+mn-lt"/>
+                <a:ea typeface="ＭＳ Ｐゴシック" pitchFamily="-106" charset="-128"/>
+                <a:cs typeface="ＭＳ Ｐゴシック" pitchFamily="-106" charset="-128"/>
+              </a:rPr>
+              <a:t>him</a:t>
+            </a:r>
+            <a:r>
+              <a:rPr lang="en-US" sz="1200" b="0" i="0" u="none" strike="noStrike" kern="1200" baseline="0" dirty="0">
+                <a:solidFill>
+                  <a:schemeClr val="tx1"/>
+                </a:solidFill>
+                <a:latin typeface="+mn-lt"/>
+                <a:ea typeface="ＭＳ Ｐゴシック" pitchFamily="-106" charset="-128"/>
+                <a:cs typeface="ＭＳ Ｐゴシック" pitchFamily="-106" charset="-128"/>
+              </a:rPr>
+              <a:t> as a brother.</a:t>
+            </a:r>
+          </a:p>
+          <a:p>
+            <a:endParaRPr lang="en-US" dirty="0"/>
+          </a:p>
+          <a:p>
+            <a:endParaRPr lang="en-US" dirty="0"/>
+          </a:p>
           <a:p>
             <a:endParaRPr lang="en-US" dirty="0"/>
           </a:p>
@@ -5036,7 +5553,7 @@
           <a:p>
             <a:r>
               <a:rPr lang="en-US" sz="3600" dirty="0"/>
-              <a:t>Yet More Anti-Patterns of Enablement</a:t>
+              <a:t>Yet More Enablement Anti-Patterns</a:t>
             </a:r>
             <a:endParaRPr lang="en-US" sz="2400" dirty="0">
               <a:solidFill>
@@ -5561,7 +6078,7 @@
           <a:p>
             <a:r>
               <a:rPr lang="en-US" sz="3600" dirty="0"/>
-              <a:t>Yet More Anti-Patterns of Enablement</a:t>
+              <a:t>Yet More Enablement Anti-Patterns</a:t>
             </a:r>
             <a:endParaRPr lang="en-US" sz="2400" dirty="0">
               <a:solidFill>
@@ -5588,7 +6105,7 @@
         </p:nvSpPr>
         <p:spPr>
           <a:xfrm>
-            <a:off x="240064" y="685800"/>
+            <a:off x="228600" y="604487"/>
             <a:ext cx="8686800" cy="2031325"/>
           </a:xfrm>
           <a:prstGeom prst="rect">
@@ -5688,7 +6205,7 @@
         </p:nvSpPr>
         <p:spPr>
           <a:xfrm>
-            <a:off x="240064" y="2788211"/>
+            <a:off x="240064" y="2635812"/>
             <a:ext cx="8686800" cy="1754326"/>
           </a:xfrm>
           <a:prstGeom prst="rect">
@@ -5784,7 +6301,7 @@
         </p:nvSpPr>
         <p:spPr>
           <a:xfrm>
-            <a:off x="240064" y="4613623"/>
+            <a:off x="240064" y="4461224"/>
             <a:ext cx="8686800" cy="2031325"/>
           </a:xfrm>
           <a:prstGeom prst="rect">
@@ -6496,7 +7013,7 @@
             </a:r>
             <a:r>
               <a:rPr lang="en-US" dirty="0"/>
-              <a:t> – warns of those who know the truth but return to sin.</a:t>
+              <a:t> – Warns of those who know the truth but return to sin.</a:t>
             </a:r>
           </a:p>
           <a:p>
@@ -8500,7 +9017,7 @@
             </a:r>
             <a:r>
               <a:rPr lang="en-US" i="1" dirty="0"/>
-              <a:t>“Seldom set foot in your neighbor’s house—too much of you, and they will hate you.”</a:t>
+              <a:t>“Seldom set foot in your neighbor’s house; too much of you, and they will hate you.”</a:t>
             </a:r>
           </a:p>
           <a:p>
